--- a/project/Congress.pptx
+++ b/project/Congress.pptx
@@ -113,6 +113,11 @@
       </a:defRPr>
     </a:lvl9pPr>
   </p:defaultTextStyle>
+  <p:extLst>
+    <p:ext uri="{EFAFB233-063F-42B5-8137-9DF3F51BA10A}">
+      <p15:sldGuideLst xmlns:p15="http://schemas.microsoft.com/office/powerpoint/2012/main"/>
+    </p:ext>
+  </p:extLst>
 </p:presentation>
 </file>
 
@@ -263,7 +268,7 @@
           <a:p>
             <a:fld id="{66D47A3C-296C-4165-A4A5-06A4FBFD2225}" type="datetimeFigureOut">
               <a:rPr lang="en-US" smtClean="0"/>
-              <a:t>5/19/2019</a:t>
+              <a:t>5/23/2019</a:t>
             </a:fld>
             <a:endParaRPr lang="en-US"/>
           </a:p>
@@ -461,7 +466,7 @@
           <a:p>
             <a:fld id="{66D47A3C-296C-4165-A4A5-06A4FBFD2225}" type="datetimeFigureOut">
               <a:rPr lang="en-US" smtClean="0"/>
-              <a:t>5/19/2019</a:t>
+              <a:t>5/23/2019</a:t>
             </a:fld>
             <a:endParaRPr lang="en-US"/>
           </a:p>
@@ -669,7 +674,7 @@
           <a:p>
             <a:fld id="{66D47A3C-296C-4165-A4A5-06A4FBFD2225}" type="datetimeFigureOut">
               <a:rPr lang="en-US" smtClean="0"/>
-              <a:t>5/19/2019</a:t>
+              <a:t>5/23/2019</a:t>
             </a:fld>
             <a:endParaRPr lang="en-US"/>
           </a:p>
@@ -867,7 +872,7 @@
           <a:p>
             <a:fld id="{66D47A3C-296C-4165-A4A5-06A4FBFD2225}" type="datetimeFigureOut">
               <a:rPr lang="en-US" smtClean="0"/>
-              <a:t>5/19/2019</a:t>
+              <a:t>5/23/2019</a:t>
             </a:fld>
             <a:endParaRPr lang="en-US"/>
           </a:p>
@@ -1142,7 +1147,7 @@
           <a:p>
             <a:fld id="{66D47A3C-296C-4165-A4A5-06A4FBFD2225}" type="datetimeFigureOut">
               <a:rPr lang="en-US" smtClean="0"/>
-              <a:t>5/19/2019</a:t>
+              <a:t>5/23/2019</a:t>
             </a:fld>
             <a:endParaRPr lang="en-US"/>
           </a:p>
@@ -1407,7 +1412,7 @@
           <a:p>
             <a:fld id="{66D47A3C-296C-4165-A4A5-06A4FBFD2225}" type="datetimeFigureOut">
               <a:rPr lang="en-US" smtClean="0"/>
-              <a:t>5/19/2019</a:t>
+              <a:t>5/23/2019</a:t>
             </a:fld>
             <a:endParaRPr lang="en-US"/>
           </a:p>
@@ -1819,7 +1824,7 @@
           <a:p>
             <a:fld id="{66D47A3C-296C-4165-A4A5-06A4FBFD2225}" type="datetimeFigureOut">
               <a:rPr lang="en-US" smtClean="0"/>
-              <a:t>5/19/2019</a:t>
+              <a:t>5/23/2019</a:t>
             </a:fld>
             <a:endParaRPr lang="en-US"/>
           </a:p>
@@ -1960,7 +1965,7 @@
           <a:p>
             <a:fld id="{66D47A3C-296C-4165-A4A5-06A4FBFD2225}" type="datetimeFigureOut">
               <a:rPr lang="en-US" smtClean="0"/>
-              <a:t>5/19/2019</a:t>
+              <a:t>5/23/2019</a:t>
             </a:fld>
             <a:endParaRPr lang="en-US"/>
           </a:p>
@@ -2073,7 +2078,7 @@
           <a:p>
             <a:fld id="{66D47A3C-296C-4165-A4A5-06A4FBFD2225}" type="datetimeFigureOut">
               <a:rPr lang="en-US" smtClean="0"/>
-              <a:t>5/19/2019</a:t>
+              <a:t>5/23/2019</a:t>
             </a:fld>
             <a:endParaRPr lang="en-US"/>
           </a:p>
@@ -2384,7 +2389,7 @@
           <a:p>
             <a:fld id="{66D47A3C-296C-4165-A4A5-06A4FBFD2225}" type="datetimeFigureOut">
               <a:rPr lang="en-US" smtClean="0"/>
-              <a:t>5/19/2019</a:t>
+              <a:t>5/23/2019</a:t>
             </a:fld>
             <a:endParaRPr lang="en-US"/>
           </a:p>
@@ -2672,7 +2677,7 @@
           <a:p>
             <a:fld id="{66D47A3C-296C-4165-A4A5-06A4FBFD2225}" type="datetimeFigureOut">
               <a:rPr lang="en-US" smtClean="0"/>
-              <a:t>5/19/2019</a:t>
+              <a:t>5/23/2019</a:t>
             </a:fld>
             <a:endParaRPr lang="en-US"/>
           </a:p>
@@ -2913,7 +2918,7 @@
           <a:p>
             <a:fld id="{66D47A3C-296C-4165-A4A5-06A4FBFD2225}" type="datetimeFigureOut">
               <a:rPr lang="en-US" smtClean="0"/>
-              <a:t>5/19/2019</a:t>
+              <a:t>5/23/2019</a:t>
             </a:fld>
             <a:endParaRPr lang="en-US"/>
           </a:p>
@@ -3595,7 +3600,7 @@
                   <a:srgbClr val="FF0000"/>
                 </a:solidFill>
               </a:rPr>
-              <a:t>Introduce Bills</a:t>
+              <a:t>Additional Filters</a:t>
             </a:r>
           </a:p>
           <a:p>
@@ -3605,7 +3610,7 @@
                   <a:srgbClr val="FF0000"/>
                 </a:solidFill>
               </a:rPr>
-              <a:t>Additional Filters</a:t>
+              <a:t>Introduce Bills</a:t>
             </a:r>
           </a:p>
           <a:p>
@@ -3712,6 +3717,31 @@
                   <a:srgbClr val="FF0000"/>
                 </a:solidFill>
               </a:rPr>
+              <a:t>Research Question</a:t>
+            </a:r>
+          </a:p>
+          <a:p>
+            <a:pPr lvl="1"/>
+            <a:r>
+              <a:rPr lang="en-US" dirty="0"/>
+              <a:t>How old is Congress? </a:t>
+            </a:r>
+          </a:p>
+          <a:p>
+            <a:pPr lvl="1"/>
+            <a:endParaRPr lang="en-US" dirty="0">
+              <a:solidFill>
+                <a:srgbClr val="FF0000"/>
+              </a:solidFill>
+            </a:endParaRPr>
+          </a:p>
+          <a:p>
+            <a:r>
+              <a:rPr lang="en-US" dirty="0">
+                <a:solidFill>
+                  <a:srgbClr val="FF0000"/>
+                </a:solidFill>
+              </a:rPr>
               <a:t>Analyze past 11 Congresses</a:t>
             </a:r>
           </a:p>
@@ -3731,6 +3761,23 @@
               </a:rPr>
               <a:t>Identify longitudinal trends in age of membership</a:t>
             </a:r>
+          </a:p>
+          <a:p>
+            <a:endParaRPr lang="en-US" dirty="0">
+              <a:solidFill>
+                <a:srgbClr val="FF0000"/>
+              </a:solidFill>
+            </a:endParaRPr>
+          </a:p>
+          <a:p>
+            <a:pPr marL="0" indent="0">
+              <a:buNone/>
+            </a:pPr>
+            <a:endParaRPr lang="en-US" dirty="0">
+              <a:solidFill>
+                <a:srgbClr val="FF0000"/>
+              </a:solidFill>
+            </a:endParaRPr>
           </a:p>
           <a:p>
             <a:endParaRPr lang="en-US" dirty="0"/>
@@ -3834,23 +3881,35 @@
           <a:lstStyle/>
           <a:p>
             <a:r>
-              <a:rPr lang="en-US" dirty="0" err="1"/>
-              <a:t>Api</a:t>
-            </a:r>
-            <a:r>
-              <a:rPr lang="en-US" dirty="0"/>
-              <a:t> call from </a:t>
-            </a:r>
-            <a:r>
-              <a:rPr lang="en-US" dirty="0" err="1"/>
+              <a:rPr lang="en-US" dirty="0">
+                <a:solidFill>
+                  <a:srgbClr val="FF0000"/>
+                </a:solidFill>
+              </a:rPr>
+              <a:t>API call from </a:t>
+            </a:r>
+            <a:r>
+              <a:rPr lang="en-US" dirty="0" err="1">
+                <a:solidFill>
+                  <a:srgbClr val="FF0000"/>
+                </a:solidFill>
+              </a:rPr>
               <a:t>Propublica</a:t>
             </a:r>
-            <a:endParaRPr lang="en-US" dirty="0"/>
-          </a:p>
-          <a:p>
-            <a:r>
-              <a:rPr lang="en-US" dirty="0"/>
-              <a:t>Transform data into </a:t>
+            <a:endParaRPr lang="en-US" dirty="0">
+              <a:solidFill>
+                <a:srgbClr val="FF0000"/>
+              </a:solidFill>
+            </a:endParaRPr>
+          </a:p>
+          <a:p>
+            <a:r>
+              <a:rPr lang="en-US" dirty="0">
+                <a:solidFill>
+                  <a:srgbClr val="FF0000"/>
+                </a:solidFill>
+              </a:rPr>
+              <a:t>Transform data</a:t>
             </a:r>
           </a:p>
           <a:p>
@@ -3861,37 +3920,61 @@
             </a:r>
             <a:r>
               <a:rPr lang="en-US" dirty="0" err="1"/>
-              <a:t>SwornInDate</a:t>
+              <a:t>SwornInAge</a:t>
             </a:r>
             <a:r>
               <a:rPr lang="en-US" dirty="0"/>
-              <a:t>, ___, ____</a:t>
-            </a:r>
-          </a:p>
-          <a:p>
-            <a:r>
-              <a:rPr lang="en-US" dirty="0"/>
+              <a:t>, Year </a:t>
+            </a:r>
+          </a:p>
+          <a:p>
+            <a:r>
+              <a:rPr lang="en-US" dirty="0">
+                <a:solidFill>
+                  <a:srgbClr val="FF0000"/>
+                </a:solidFill>
+              </a:rPr>
               <a:t>Store data in </a:t>
             </a:r>
             <a:r>
-              <a:rPr lang="en-US" dirty="0" err="1"/>
+              <a:rPr lang="en-US" dirty="0" err="1">
+                <a:solidFill>
+                  <a:srgbClr val="FF0000"/>
+                </a:solidFill>
+              </a:rPr>
               <a:t>SQLlite</a:t>
             </a:r>
             <a:r>
-              <a:rPr lang="en-US" dirty="0"/>
+              <a:rPr lang="en-US" dirty="0">
+                <a:solidFill>
+                  <a:srgbClr val="FF0000"/>
+                </a:solidFill>
+              </a:rPr>
               <a:t> database</a:t>
             </a:r>
           </a:p>
           <a:p>
             <a:r>
-              <a:rPr lang="en-US" dirty="0"/>
+              <a:rPr lang="en-US" dirty="0">
+                <a:solidFill>
+                  <a:srgbClr val="FF0000"/>
+                </a:solidFill>
+              </a:rPr>
               <a:t>Transform data into </a:t>
             </a:r>
             <a:r>
-              <a:rPr lang="en-US" dirty="0" err="1"/>
+              <a:rPr lang="en-US" dirty="0" err="1">
+                <a:solidFill>
+                  <a:srgbClr val="FF0000"/>
+                </a:solidFill>
+              </a:rPr>
               <a:t>DataFrame</a:t>
             </a:r>
-            <a:endParaRPr lang="en-US" dirty="0"/>
+            <a:endParaRPr lang="en-US" dirty="0">
+              <a:solidFill>
+                <a:srgbClr val="FF0000"/>
+              </a:solidFill>
+            </a:endParaRPr>
           </a:p>
           <a:p>
             <a:pPr lvl="1"/>
@@ -3901,15 +3984,7 @@
             </a:r>
           </a:p>
           <a:p>
-            <a:pPr lvl="1"/>
             <a:endParaRPr lang="en-US" dirty="0"/>
-          </a:p>
-          <a:p>
-            <a:pPr lvl="1"/>
-            <a:r>
-              <a:rPr lang="en-US" dirty="0"/>
-              <a:t> </a:t>
-            </a:r>
           </a:p>
           <a:p>
             <a:pPr lvl="1"/>
@@ -4012,6 +4087,50 @@
           <a:bodyPr/>
           <a:lstStyle/>
           <a:p>
+            <a:r>
+              <a:rPr lang="en-US" dirty="0">
+                <a:solidFill>
+                  <a:srgbClr val="FF0000"/>
+                </a:solidFill>
+              </a:rPr>
+              <a:t>Created Routes</a:t>
+            </a:r>
+          </a:p>
+          <a:p>
+            <a:r>
+              <a:rPr lang="en-US" dirty="0">
+                <a:solidFill>
+                  <a:srgbClr val="FF0000"/>
+                </a:solidFill>
+              </a:rPr>
+              <a:t>JavaScript </a:t>
+            </a:r>
+          </a:p>
+          <a:p>
+            <a:pPr lvl="1"/>
+            <a:r>
+              <a:rPr lang="en-US" dirty="0"/>
+              <a:t>Line – Shows longitudinal data of average age by selected state</a:t>
+            </a:r>
+          </a:p>
+          <a:p>
+            <a:pPr lvl="1"/>
+            <a:r>
+              <a:rPr lang="en-US" dirty="0"/>
+              <a:t>Bar – Shows the name and state for top ten oldest and youngest members of Congress</a:t>
+            </a:r>
+          </a:p>
+          <a:p>
+            <a:pPr lvl="1"/>
+            <a:r>
+              <a:rPr lang="en-US" dirty="0"/>
+              <a:t>Map – Clickable US map which shows the average age of all members state for the current year.  </a:t>
+            </a:r>
+          </a:p>
+          <a:p>
+            <a:pPr marL="457200" lvl="1" indent="0">
+              <a:buNone/>
+            </a:pPr>
             <a:endParaRPr lang="en-US" dirty="0"/>
           </a:p>
         </p:txBody>
@@ -4119,27 +4238,6 @@
             </a:r>
           </a:p>
           <a:p>
-            <a:pPr lvl="1"/>
-            <a:r>
-              <a:rPr lang="en-US" dirty="0"/>
-              <a:t>Line – Shows longitudinal data of average age by selected state</a:t>
-            </a:r>
-          </a:p>
-          <a:p>
-            <a:pPr lvl="1"/>
-            <a:r>
-              <a:rPr lang="en-US" dirty="0"/>
-              <a:t>Bar – Shows the name and state for top ten oldest and youngest members of Congress</a:t>
-            </a:r>
-          </a:p>
-          <a:p>
-            <a:pPr lvl="1"/>
-            <a:r>
-              <a:rPr lang="en-US" dirty="0"/>
-              <a:t>Map – Clickable US map which shows the average age of all members, Republicans and Democrats by state for the current year.  </a:t>
-            </a:r>
-          </a:p>
-          <a:p>
             <a:r>
               <a:rPr lang="en-US" dirty="0">
                 <a:solidFill>
@@ -4244,7 +4342,26 @@
           <a:bodyPr/>
           <a:lstStyle/>
           <a:p>
-            <a:endParaRPr lang="en-US"/>
+            <a:r>
+              <a:rPr lang="en-US" dirty="0">
+                <a:solidFill>
+                  <a:srgbClr val="FF0000"/>
+                </a:solidFill>
+                <a:hlinkClick r:id="rId2">
+                  <a:extLst>
+                    <a:ext uri="{A12FA001-AC4F-418D-AE19-62706E023703}">
+                      <ahyp:hlinkClr xmlns:ahyp="http://schemas.microsoft.com/office/drawing/2018/hyperlinkcolor" val="tx"/>
+                    </a:ext>
+                  </a:extLst>
+                </a:hlinkClick>
+              </a:rPr>
+              <a:t>Age of Congress Dashboard</a:t>
+            </a:r>
+            <a:endParaRPr lang="en-US" dirty="0">
+              <a:solidFill>
+                <a:srgbClr val="FF0000"/>
+              </a:solidFill>
+            </a:endParaRPr>
           </a:p>
         </p:txBody>
       </p:sp>
@@ -4320,31 +4437,38 @@
           </a:p>
         </p:txBody>
       </p:sp>
-      <p:sp>
-        <p:nvSpPr>
-          <p:cNvPr id="3" name="Content Placeholder 2">
-            <a:extLst>
-              <a:ext uri="{FF2B5EF4-FFF2-40B4-BE49-F238E27FC236}">
-                <a16:creationId xmlns:a16="http://schemas.microsoft.com/office/drawing/2014/main" id="{1BF30BEF-7DD7-4A6A-A308-063CA4589A66}"/>
-              </a:ext>
-            </a:extLst>
-          </p:cNvPr>
-          <p:cNvSpPr>
-            <a:spLocks noGrp="1"/>
-          </p:cNvSpPr>
+      <p:pic>
+        <p:nvPicPr>
+          <p:cNvPr id="7" name="Content Placeholder 6">
+            <a:extLst>
+              <a:ext uri="{FF2B5EF4-FFF2-40B4-BE49-F238E27FC236}">
+                <a16:creationId xmlns:a16="http://schemas.microsoft.com/office/drawing/2014/main" id="{4933A14A-AF78-4E2F-BE20-9634421047DD}"/>
+              </a:ext>
+            </a:extLst>
+          </p:cNvPr>
+          <p:cNvPicPr>
+            <a:picLocks noGrp="1" noChangeAspect="1"/>
+          </p:cNvPicPr>
           <p:nvPr>
             <p:ph idx="1"/>
           </p:nvPr>
-        </p:nvSpPr>
-        <p:spPr/>
-        <p:txBody>
-          <a:bodyPr/>
-          <a:lstStyle/>
-          <a:p>
-            <a:endParaRPr lang="en-US"/>
-          </a:p>
-        </p:txBody>
-      </p:sp>
+        </p:nvPicPr>
+        <p:blipFill>
+          <a:blip r:embed="rId2"/>
+          <a:stretch>
+            <a:fillRect/>
+          </a:stretch>
+        </p:blipFill>
+        <p:spPr>
+          <a:xfrm>
+            <a:off x="838200" y="2050957"/>
+            <a:ext cx="10515600" cy="3900673"/>
+          </a:xfrm>
+          <a:prstGeom prst="rect">
+            <a:avLst/>
+          </a:prstGeom>
+        </p:spPr>
+      </p:pic>
     </p:spTree>
     <p:extLst>
       <p:ext uri="{BB962C8B-B14F-4D97-AF65-F5344CB8AC3E}">
@@ -4417,31 +4541,38 @@
           </a:p>
         </p:txBody>
       </p:sp>
-      <p:sp>
-        <p:nvSpPr>
-          <p:cNvPr id="3" name="Content Placeholder 2">
-            <a:extLst>
-              <a:ext uri="{FF2B5EF4-FFF2-40B4-BE49-F238E27FC236}">
-                <a16:creationId xmlns:a16="http://schemas.microsoft.com/office/drawing/2014/main" id="{C158A7A2-C544-41CA-A30C-19E7EF58DE38}"/>
-              </a:ext>
-            </a:extLst>
-          </p:cNvPr>
-          <p:cNvSpPr>
-            <a:spLocks noGrp="1"/>
-          </p:cNvSpPr>
+      <p:pic>
+        <p:nvPicPr>
+          <p:cNvPr id="4" name="Content Placeholder 3">
+            <a:extLst>
+              <a:ext uri="{FF2B5EF4-FFF2-40B4-BE49-F238E27FC236}">
+                <a16:creationId xmlns:a16="http://schemas.microsoft.com/office/drawing/2014/main" id="{6E6CFB0B-8210-41CE-8C21-7A3365A7F351}"/>
+              </a:ext>
+            </a:extLst>
+          </p:cNvPr>
+          <p:cNvPicPr>
+            <a:picLocks noGrp="1" noChangeAspect="1"/>
+          </p:cNvPicPr>
           <p:nvPr>
             <p:ph idx="1"/>
           </p:nvPr>
-        </p:nvSpPr>
-        <p:spPr/>
-        <p:txBody>
-          <a:bodyPr/>
-          <a:lstStyle/>
-          <a:p>
-            <a:endParaRPr lang="en-US"/>
-          </a:p>
-        </p:txBody>
-      </p:sp>
+        </p:nvPicPr>
+        <p:blipFill>
+          <a:blip r:embed="rId2"/>
+          <a:stretch>
+            <a:fillRect/>
+          </a:stretch>
+        </p:blipFill>
+        <p:spPr>
+          <a:xfrm>
+            <a:off x="838200" y="2051916"/>
+            <a:ext cx="10515600" cy="3898756"/>
+          </a:xfrm>
+          <a:prstGeom prst="rect">
+            <a:avLst/>
+          </a:prstGeom>
+        </p:spPr>
+      </p:pic>
     </p:spTree>
     <p:extLst>
       <p:ext uri="{BB962C8B-B14F-4D97-AF65-F5344CB8AC3E}">
@@ -4514,31 +4645,38 @@
           </a:p>
         </p:txBody>
       </p:sp>
-      <p:sp>
-        <p:nvSpPr>
-          <p:cNvPr id="3" name="Content Placeholder 2">
-            <a:extLst>
-              <a:ext uri="{FF2B5EF4-FFF2-40B4-BE49-F238E27FC236}">
-                <a16:creationId xmlns:a16="http://schemas.microsoft.com/office/drawing/2014/main" id="{8B3DAE17-C3D9-42DD-83BE-EB1BC2712AFC}"/>
-              </a:ext>
-            </a:extLst>
-          </p:cNvPr>
-          <p:cNvSpPr>
-            <a:spLocks noGrp="1"/>
-          </p:cNvSpPr>
+      <p:pic>
+        <p:nvPicPr>
+          <p:cNvPr id="8" name="Content Placeholder 7">
+            <a:extLst>
+              <a:ext uri="{FF2B5EF4-FFF2-40B4-BE49-F238E27FC236}">
+                <a16:creationId xmlns:a16="http://schemas.microsoft.com/office/drawing/2014/main" id="{1EE03425-E7D5-4B28-98FA-193CB7A1AE48}"/>
+              </a:ext>
+            </a:extLst>
+          </p:cNvPr>
+          <p:cNvPicPr>
+            <a:picLocks noGrp="1" noChangeAspect="1"/>
+          </p:cNvPicPr>
           <p:nvPr>
             <p:ph idx="1"/>
           </p:nvPr>
-        </p:nvSpPr>
-        <p:spPr/>
-        <p:txBody>
-          <a:bodyPr/>
-          <a:lstStyle/>
-          <a:p>
-            <a:endParaRPr lang="en-US"/>
-          </a:p>
-        </p:txBody>
-      </p:sp>
+        </p:nvPicPr>
+        <p:blipFill>
+          <a:blip r:embed="rId2"/>
+          <a:stretch>
+            <a:fillRect/>
+          </a:stretch>
+        </p:blipFill>
+        <p:spPr>
+          <a:xfrm>
+            <a:off x="1543292" y="1825625"/>
+            <a:ext cx="9105415" cy="4351338"/>
+          </a:xfrm>
+          <a:prstGeom prst="rect">
+            <a:avLst/>
+          </a:prstGeom>
+        </p:spPr>
+      </p:pic>
     </p:spTree>
     <p:extLst>
       <p:ext uri="{BB962C8B-B14F-4D97-AF65-F5344CB8AC3E}">

--- a/project/Congress.pptx
+++ b/project/Congress.pptx
@@ -3482,7 +3482,7 @@
                   <a:srgbClr val="FF0000"/>
                 </a:solidFill>
               </a:rPr>
-              <a:t>How Old are Members</a:t>
+              <a:t>How Old Are Members?</a:t>
             </a:r>
             <a:br>
               <a:rPr lang="en-US" sz="11500" dirty="0"/>
@@ -3916,16 +3916,13 @@
             <a:pPr lvl="1"/>
             <a:r>
               <a:rPr lang="en-US" dirty="0"/>
-              <a:t>Created variables – </a:t>
+              <a:t>Created variables –Year, </a:t>
             </a:r>
             <a:r>
               <a:rPr lang="en-US" dirty="0" err="1"/>
               <a:t>SwornInAge</a:t>
             </a:r>
-            <a:r>
-              <a:rPr lang="en-US" dirty="0"/>
-              <a:t>, Year </a:t>
-            </a:r>
+            <a:endParaRPr lang="en-US" dirty="0"/>
           </a:p>
           <a:p>
             <a:r>
@@ -3960,21 +3957,8 @@
                   <a:srgbClr val="FF0000"/>
                 </a:solidFill>
               </a:rPr>
-              <a:t>Transform data into </a:t>
-            </a:r>
-            <a:r>
-              <a:rPr lang="en-US" dirty="0" err="1">
-                <a:solidFill>
-                  <a:srgbClr val="FF0000"/>
-                </a:solidFill>
-              </a:rPr>
-              <a:t>DataFrame</a:t>
-            </a:r>
-            <a:endParaRPr lang="en-US" dirty="0">
-              <a:solidFill>
-                <a:srgbClr val="FF0000"/>
-              </a:solidFill>
-            </a:endParaRPr>
+              <a:t>Transform data and return as JSON</a:t>
+            </a:r>
           </a:p>
           <a:p>
             <a:pPr lvl="1"/>
@@ -4117,7 +4101,7 @@
             <a:pPr lvl="1"/>
             <a:r>
               <a:rPr lang="en-US" dirty="0"/>
-              <a:t>Bar – Shows the name and state for top ten oldest and youngest members of Congress</a:t>
+              <a:t>Bar – Shows the average age for each state by selected year</a:t>
             </a:r>
           </a:p>
           <a:p>
